--- a/Porównanie skuteczności lekkich sieci CNN w zadaniu klasyfikacji.pptx
+++ b/Porównanie skuteczności lekkich sieci CNN w zadaniu klasyfikacji.pptx
@@ -5,16 +5,16 @@
     <p:sldMasterId id="2147483648" r:id="rId1"/>
   </p:sldMasterIdLst>
   <p:notesMasterIdLst>
-    <p:notesMasterId r:id="rId19"/>
+    <p:notesMasterId r:id="rId18"/>
   </p:notesMasterIdLst>
   <p:handoutMasterIdLst>
-    <p:handoutMasterId r:id="rId20"/>
+    <p:handoutMasterId r:id="rId19"/>
   </p:handoutMasterIdLst>
   <p:sldIdLst>
     <p:sldId id="256" r:id="rId2"/>
     <p:sldId id="268" r:id="rId3"/>
     <p:sldId id="269" r:id="rId4"/>
-    <p:sldId id="272" r:id="rId5"/>
+    <p:sldId id="279" r:id="rId5"/>
     <p:sldId id="267" r:id="rId6"/>
     <p:sldId id="270" r:id="rId7"/>
     <p:sldId id="271" r:id="rId8"/>
@@ -24,10 +24,9 @@
     <p:sldId id="276" r:id="rId12"/>
     <p:sldId id="275" r:id="rId13"/>
     <p:sldId id="277" r:id="rId14"/>
-    <p:sldId id="263" r:id="rId15"/>
-    <p:sldId id="278" r:id="rId16"/>
-    <p:sldId id="262" r:id="rId17"/>
-    <p:sldId id="264" r:id="rId18"/>
+    <p:sldId id="278" r:id="rId15"/>
+    <p:sldId id="262" r:id="rId16"/>
+    <p:sldId id="264" r:id="rId17"/>
   </p:sldIdLst>
   <p:sldSz cx="12192000" cy="6858000"/>
   <p:notesSz cx="6858000" cy="9144000"/>
@@ -233,7 +232,7 @@
             <a:pPr rtl="0"/>
             <a:fld id="{057A77EF-ABC6-4B93-A472-41EA7F9EBD8F}" type="datetime1">
               <a:rPr lang="pl-PL" smtClean="0"/>
-              <a:t>07.02.2026</a:t>
+              <a:t>09.02.2026</a:t>
             </a:fld>
             <a:endParaRPr lang="pl-PL"/>
           </a:p>
@@ -415,7 +414,7 @@
             <a:pPr rtl="0"/>
             <a:fld id="{A5B91B06-53EE-45B7-965E-F3AE34C08448}" type="datetime1">
               <a:rPr lang="pl-PL" noProof="0" smtClean="0"/>
-              <a:t>07.02.2026</a:t>
+              <a:t>09.02.2026</a:t>
             </a:fld>
             <a:endParaRPr lang="pl-PL" noProof="0"/>
           </a:p>
@@ -730,7 +729,18 @@
           <a:bodyPr/>
           <a:lstStyle/>
           <a:p>
-            <a:endParaRPr lang="pl-PL" dirty="0"/>
+            <a:r>
+              <a:rPr lang="pl-PL" dirty="0"/>
+              <a:t>Projekt dotyczy porównania skuteczności lekkich sieci CNN w zadaniu klasyfikacji wieloklasowej obrazów. Skupiłem się na dwóch </a:t>
+            </a:r>
+            <a:r>
+              <a:rPr lang="pl-PL" dirty="0" err="1"/>
+              <a:t>architekturach</a:t>
+            </a:r>
+            <a:r>
+              <a:rPr lang="pl-PL" dirty="0"/>
+              <a:t>: EfficientNet-B0 oraz ShuffleNetV2.</a:t>
+            </a:r>
           </a:p>
         </p:txBody>
       </p:sp>
@@ -834,6 +844,17 @@
           <a:lstStyle/>
           <a:p>
             <a:pPr rtl="0"/>
+            <a:r>
+              <a:rPr lang="pl-PL" dirty="0"/>
+              <a:t>Umiarkowane augmentacje, takie jak A2 i A3, poprawiają wyniki, natomiast zbyt agresywna augmentacja A4 obniża skuteczność.</a:t>
+            </a:r>
+          </a:p>
+          <a:p>
+            <a:pPr rtl="0"/>
+            <a:r>
+              <a:rPr lang="pl-PL" dirty="0"/>
+              <a:t>Prawdopodobnie zbyt mocno deformuje dane wejściowe, utrudniając naukę istotnych cech.</a:t>
+            </a:r>
             <a:endParaRPr lang="pl-PL" dirty="0">
               <a:latin typeface="Segoe UI" panose="020B0502040204020203" pitchFamily="34" charset="0"/>
               <a:cs typeface="Segoe UI" panose="020B0502040204020203" pitchFamily="34" charset="0"/>
@@ -947,6 +968,10 @@
           <a:lstStyle/>
           <a:p>
             <a:pPr rtl="0"/>
+            <a:r>
+              <a:rPr lang="pl-PL" dirty="0"/>
+              <a:t>Widać, że augmentacja pomaga głównie wtedy, gdy mamy wystarczającą liczbę danych. Przy bardzo małym zbiorze nie jest w stanie zrekompensować jego braku.</a:t>
+            </a:r>
             <a:endParaRPr lang="pl-PL" dirty="0">
               <a:latin typeface="Segoe UI" panose="020B0502040204020203" pitchFamily="34" charset="0"/>
               <a:cs typeface="Segoe UI" panose="020B0502040204020203" pitchFamily="34" charset="0"/>
@@ -1060,6 +1085,18 @@
           <a:lstStyle/>
           <a:p>
             <a:pPr rtl="0"/>
+            <a:r>
+              <a:rPr lang="pl-PL" dirty="0"/>
+              <a:t>W najlepszym przypadku model osiągnął 100% </a:t>
+            </a:r>
+            <a:r>
+              <a:rPr lang="pl-PL" dirty="0" err="1"/>
+              <a:t>accuracy</a:t>
+            </a:r>
+            <a:r>
+              <a:rPr lang="pl-PL" dirty="0"/>
+              <a:t>, jednak należy interpretować to ostrożnie ze względu na mały zbiór testowy.</a:t>
+            </a:r>
             <a:endParaRPr lang="pl-PL" dirty="0">
               <a:latin typeface="Segoe UI" panose="020B0502040204020203" pitchFamily="34" charset="0"/>
               <a:cs typeface="Segoe UI" panose="020B0502040204020203" pitchFamily="34" charset="0"/>
@@ -1173,6 +1210,18 @@
           <a:lstStyle/>
           <a:p>
             <a:pPr rtl="0"/>
+            <a:r>
+              <a:rPr lang="pl-PL" dirty="0"/>
+              <a:t>W najtrudniejszym scenariuszu model wykazywał </a:t>
+            </a:r>
+            <a:r>
+              <a:rPr lang="pl-PL" dirty="0" err="1"/>
+              <a:t>collapse</a:t>
+            </a:r>
+            <a:r>
+              <a:rPr lang="pl-PL" dirty="0"/>
+              <a:t> predykcji do jednej klasy, co jest typowym objawem niedouczenia.</a:t>
+            </a:r>
             <a:endParaRPr lang="pl-PL" dirty="0">
               <a:latin typeface="Segoe UI" panose="020B0502040204020203" pitchFamily="34" charset="0"/>
               <a:cs typeface="Segoe UI" panose="020B0502040204020203" pitchFamily="34" charset="0"/>
@@ -1224,95 +1273,6 @@
 </file>
 
 <file path=ppt/notesSlides/notesSlide14.xml><?xml version="1.0" encoding="utf-8"?>
-<p:notes xmlns:a="http://schemas.openxmlformats.org/drawingml/2006/main" xmlns:r="http://schemas.openxmlformats.org/officeDocument/2006/relationships" xmlns:p="http://schemas.openxmlformats.org/presentationml/2006/main">
-  <p:cSld>
-    <p:spTree>
-      <p:nvGrpSpPr>
-        <p:cNvPr id="1" name=""/>
-        <p:cNvGrpSpPr/>
-        <p:nvPr/>
-      </p:nvGrpSpPr>
-      <p:grpSpPr>
-        <a:xfrm>
-          <a:off x="0" y="0"/>
-          <a:ext cx="0" cy="0"/>
-          <a:chOff x="0" y="0"/>
-          <a:chExt cx="0" cy="0"/>
-        </a:xfrm>
-      </p:grpSpPr>
-      <p:sp>
-        <p:nvSpPr>
-          <p:cNvPr id="2" name="Obraz slajdu — symbol zastępczy 1"/>
-          <p:cNvSpPr>
-            <a:spLocks noGrp="1" noRot="1" noChangeAspect="1"/>
-          </p:cNvSpPr>
-          <p:nvPr>
-            <p:ph type="sldImg"/>
-          </p:nvPr>
-        </p:nvSpPr>
-        <p:spPr/>
-      </p:sp>
-      <p:sp>
-        <p:nvSpPr>
-          <p:cNvPr id="3" name="Notatki — symbol zastępczy 2"/>
-          <p:cNvSpPr>
-            <a:spLocks noGrp="1"/>
-          </p:cNvSpPr>
-          <p:nvPr>
-            <p:ph type="body" idx="1"/>
-          </p:nvPr>
-        </p:nvSpPr>
-        <p:spPr/>
-        <p:txBody>
-          <a:bodyPr rtlCol="0"/>
-          <a:lstStyle/>
-          <a:p>
-            <a:pPr rtl="0"/>
-            <a:endParaRPr lang="pl-PL" dirty="0">
-              <a:latin typeface="Segoe UI" panose="020B0502040204020203" pitchFamily="34" charset="0"/>
-              <a:cs typeface="Segoe UI" panose="020B0502040204020203" pitchFamily="34" charset="0"/>
-            </a:endParaRPr>
-          </a:p>
-        </p:txBody>
-      </p:sp>
-      <p:sp>
-        <p:nvSpPr>
-          <p:cNvPr id="4" name="Numer slajdu — symbol zastępczy 3"/>
-          <p:cNvSpPr>
-            <a:spLocks noGrp="1"/>
-          </p:cNvSpPr>
-          <p:nvPr>
-            <p:ph type="sldNum" sz="quarter" idx="10"/>
-          </p:nvPr>
-        </p:nvSpPr>
-        <p:spPr/>
-        <p:txBody>
-          <a:bodyPr rtlCol="0"/>
-          <a:lstStyle/>
-          <a:p>
-            <a:pPr rtl="0"/>
-            <a:fld id="{BC849E9A-41F7-4779-A581-48A7C374A227}" type="slidenum">
-              <a:rPr lang="pl-PL" smtClean="0"/>
-              <a:t>14</a:t>
-            </a:fld>
-            <a:endParaRPr lang="pl-PL"/>
-          </a:p>
-        </p:txBody>
-      </p:sp>
-    </p:spTree>
-    <p:extLst>
-      <p:ext uri="{BB962C8B-B14F-4D97-AF65-F5344CB8AC3E}">
-        <p14:creationId xmlns:p14="http://schemas.microsoft.com/office/powerpoint/2010/main" val="1825341137"/>
-      </p:ext>
-    </p:extLst>
-  </p:cSld>
-  <p:clrMapOvr>
-    <a:masterClrMapping/>
-  </p:clrMapOvr>
-</p:notes>
-</file>
-
-<file path=ppt/notesSlides/notesSlide15.xml><?xml version="1.0" encoding="utf-8"?>
 <p:notes xmlns:a="http://schemas.openxmlformats.org/drawingml/2006/main" xmlns:r="http://schemas.openxmlformats.org/officeDocument/2006/relationships" xmlns:p="http://schemas.openxmlformats.org/presentationml/2006/main">
   <p:cSld>
     <p:spTree>
@@ -1406,7 +1366,7 @@
             <a:pPr rtl="0"/>
             <a:fld id="{BC849E9A-41F7-4779-A581-48A7C374A227}" type="slidenum">
               <a:rPr lang="pl-PL" smtClean="0"/>
-              <a:t>15</a:t>
+              <a:t>14</a:t>
             </a:fld>
             <a:endParaRPr lang="pl-PL"/>
           </a:p>
@@ -1416,6 +1376,99 @@
     <p:extLst>
       <p:ext uri="{BB962C8B-B14F-4D97-AF65-F5344CB8AC3E}">
         <p14:creationId xmlns:p14="http://schemas.microsoft.com/office/powerpoint/2010/main" val="888516620"/>
+      </p:ext>
+    </p:extLst>
+  </p:cSld>
+  <p:clrMapOvr>
+    <a:masterClrMapping/>
+  </p:clrMapOvr>
+</p:notes>
+</file>
+
+<file path=ppt/notesSlides/notesSlide15.xml><?xml version="1.0" encoding="utf-8"?>
+<p:notes xmlns:a="http://schemas.openxmlformats.org/drawingml/2006/main" xmlns:r="http://schemas.openxmlformats.org/officeDocument/2006/relationships" xmlns:p="http://schemas.openxmlformats.org/presentationml/2006/main">
+  <p:cSld>
+    <p:spTree>
+      <p:nvGrpSpPr>
+        <p:cNvPr id="1" name=""/>
+        <p:cNvGrpSpPr/>
+        <p:nvPr/>
+      </p:nvGrpSpPr>
+      <p:grpSpPr>
+        <a:xfrm>
+          <a:off x="0" y="0"/>
+          <a:ext cx="0" cy="0"/>
+          <a:chOff x="0" y="0"/>
+          <a:chExt cx="0" cy="0"/>
+        </a:xfrm>
+      </p:grpSpPr>
+      <p:sp>
+        <p:nvSpPr>
+          <p:cNvPr id="2" name="Obraz slajdu — symbol zastępczy 1"/>
+          <p:cNvSpPr>
+            <a:spLocks noGrp="1" noRot="1" noChangeAspect="1"/>
+          </p:cNvSpPr>
+          <p:nvPr>
+            <p:ph type="sldImg"/>
+          </p:nvPr>
+        </p:nvSpPr>
+        <p:spPr/>
+      </p:sp>
+      <p:sp>
+        <p:nvSpPr>
+          <p:cNvPr id="3" name="Notatki — symbol zastępczy 2"/>
+          <p:cNvSpPr>
+            <a:spLocks noGrp="1"/>
+          </p:cNvSpPr>
+          <p:nvPr>
+            <p:ph type="body" idx="1"/>
+          </p:nvPr>
+        </p:nvSpPr>
+        <p:spPr/>
+        <p:txBody>
+          <a:bodyPr rtlCol="0"/>
+          <a:lstStyle/>
+          <a:p>
+            <a:pPr rtl="0"/>
+            <a:r>
+              <a:rPr lang="pl-PL" dirty="0"/>
+              <a:t>W przyszłości można zwiększyć zbiór testowy, zastosować walidację krzyżową lub przetestować inne architektur</a:t>
+            </a:r>
+            <a:endParaRPr lang="pl-PL" dirty="0">
+              <a:latin typeface="Segoe UI" panose="020B0502040204020203" pitchFamily="34" charset="0"/>
+              <a:cs typeface="Segoe UI" panose="020B0502040204020203" pitchFamily="34" charset="0"/>
+            </a:endParaRPr>
+          </a:p>
+        </p:txBody>
+      </p:sp>
+      <p:sp>
+        <p:nvSpPr>
+          <p:cNvPr id="4" name="Numer slajdu — symbol zastępczy 3"/>
+          <p:cNvSpPr>
+            <a:spLocks noGrp="1"/>
+          </p:cNvSpPr>
+          <p:nvPr>
+            <p:ph type="sldNum" sz="quarter" idx="10"/>
+          </p:nvPr>
+        </p:nvSpPr>
+        <p:spPr/>
+        <p:txBody>
+          <a:bodyPr rtlCol="0"/>
+          <a:lstStyle/>
+          <a:p>
+            <a:pPr rtl="0"/>
+            <a:fld id="{BC849E9A-41F7-4779-A581-48A7C374A227}" type="slidenum">
+              <a:rPr lang="pl-PL" smtClean="0"/>
+              <a:t>15</a:t>
+            </a:fld>
+            <a:endParaRPr lang="pl-PL"/>
+          </a:p>
+        </p:txBody>
+      </p:sp>
+    </p:spTree>
+    <p:extLst>
+      <p:ext uri="{BB962C8B-B14F-4D97-AF65-F5344CB8AC3E}">
+        <p14:creationId xmlns:p14="http://schemas.microsoft.com/office/powerpoint/2010/main" val="1335805615"/>
       </p:ext>
     </p:extLst>
   </p:cSld>
@@ -1470,7 +1523,7 @@
           <a:lstStyle/>
           <a:p>
             <a:pPr rtl="0"/>
-            <a:endParaRPr lang="pl-PL" dirty="0">
+            <a:endParaRPr lang="pl-PL" b="1" dirty="0">
               <a:latin typeface="Segoe UI" panose="020B0502040204020203" pitchFamily="34" charset="0"/>
               <a:cs typeface="Segoe UI" panose="020B0502040204020203" pitchFamily="34" charset="0"/>
             </a:endParaRPr>
@@ -1496,95 +1549,6 @@
             <a:fld id="{BC849E9A-41F7-4779-A581-48A7C374A227}" type="slidenum">
               <a:rPr lang="pl-PL" smtClean="0"/>
               <a:t>16</a:t>
-            </a:fld>
-            <a:endParaRPr lang="pl-PL"/>
-          </a:p>
-        </p:txBody>
-      </p:sp>
-    </p:spTree>
-    <p:extLst>
-      <p:ext uri="{BB962C8B-B14F-4D97-AF65-F5344CB8AC3E}">
-        <p14:creationId xmlns:p14="http://schemas.microsoft.com/office/powerpoint/2010/main" val="1335805615"/>
-      </p:ext>
-    </p:extLst>
-  </p:cSld>
-  <p:clrMapOvr>
-    <a:masterClrMapping/>
-  </p:clrMapOvr>
-</p:notes>
-</file>
-
-<file path=ppt/notesSlides/notesSlide17.xml><?xml version="1.0" encoding="utf-8"?>
-<p:notes xmlns:a="http://schemas.openxmlformats.org/drawingml/2006/main" xmlns:r="http://schemas.openxmlformats.org/officeDocument/2006/relationships" xmlns:p="http://schemas.openxmlformats.org/presentationml/2006/main">
-  <p:cSld>
-    <p:spTree>
-      <p:nvGrpSpPr>
-        <p:cNvPr id="1" name=""/>
-        <p:cNvGrpSpPr/>
-        <p:nvPr/>
-      </p:nvGrpSpPr>
-      <p:grpSpPr>
-        <a:xfrm>
-          <a:off x="0" y="0"/>
-          <a:ext cx="0" cy="0"/>
-          <a:chOff x="0" y="0"/>
-          <a:chExt cx="0" cy="0"/>
-        </a:xfrm>
-      </p:grpSpPr>
-      <p:sp>
-        <p:nvSpPr>
-          <p:cNvPr id="2" name="Obraz slajdu — symbol zastępczy 1"/>
-          <p:cNvSpPr>
-            <a:spLocks noGrp="1" noRot="1" noChangeAspect="1"/>
-          </p:cNvSpPr>
-          <p:nvPr>
-            <p:ph type="sldImg"/>
-          </p:nvPr>
-        </p:nvSpPr>
-        <p:spPr/>
-      </p:sp>
-      <p:sp>
-        <p:nvSpPr>
-          <p:cNvPr id="3" name="Notatki — symbol zastępczy 2"/>
-          <p:cNvSpPr>
-            <a:spLocks noGrp="1"/>
-          </p:cNvSpPr>
-          <p:nvPr>
-            <p:ph type="body" idx="1"/>
-          </p:nvPr>
-        </p:nvSpPr>
-        <p:spPr/>
-        <p:txBody>
-          <a:bodyPr rtlCol="0"/>
-          <a:lstStyle/>
-          <a:p>
-            <a:pPr rtl="0"/>
-            <a:endParaRPr lang="pl-PL" b="1" dirty="0">
-              <a:latin typeface="Segoe UI" panose="020B0502040204020203" pitchFamily="34" charset="0"/>
-              <a:cs typeface="Segoe UI" panose="020B0502040204020203" pitchFamily="34" charset="0"/>
-            </a:endParaRPr>
-          </a:p>
-        </p:txBody>
-      </p:sp>
-      <p:sp>
-        <p:nvSpPr>
-          <p:cNvPr id="4" name="Numer slajdu — symbol zastępczy 3"/>
-          <p:cNvSpPr>
-            <a:spLocks noGrp="1"/>
-          </p:cNvSpPr>
-          <p:nvPr>
-            <p:ph type="sldNum" sz="quarter" idx="10"/>
-          </p:nvPr>
-        </p:nvSpPr>
-        <p:spPr/>
-        <p:txBody>
-          <a:bodyPr rtlCol="0"/>
-          <a:lstStyle/>
-          <a:p>
-            <a:pPr rtl="0"/>
-            <a:fld id="{BC849E9A-41F7-4779-A581-48A7C374A227}" type="slidenum">
-              <a:rPr lang="pl-PL" smtClean="0"/>
-              <a:t>17</a:t>
             </a:fld>
             <a:endParaRPr lang="pl-PL"/>
           </a:p>
@@ -1647,6 +1611,32 @@
           <a:bodyPr rtlCol="0"/>
           <a:lstStyle/>
           <a:p>
+            <a:r>
+              <a:rPr lang="pl-PL" b="1" dirty="0"/>
+              <a:t>Co mówisz:</a:t>
+            </a:r>
+            <a:endParaRPr lang="pl-PL" dirty="0"/>
+          </a:p>
+          <a:p>
+            <a:r>
+              <a:rPr lang="pl-PL" dirty="0"/>
+              <a:t>Celem było porównanie architektur CNN oraz sprawdzenie, jak na wyniki wpływa liczba danych treningowych i różne strategie augmentacji.</a:t>
+            </a:r>
+          </a:p>
+          <a:p>
+            <a:r>
+              <a:rPr lang="pl-PL" b="1" dirty="0"/>
+              <a:t>Jeśli dopytają „dlaczego”:</a:t>
+            </a:r>
+            <a:endParaRPr lang="pl-PL" dirty="0"/>
+          </a:p>
+          <a:p>
+            <a:r>
+              <a:rPr lang="pl-PL" dirty="0"/>
+              <a:t>Bo w praktyce często mamy ograniczoną liczbę danych i trzeba świadomie dobierać architekturę i augmentację.</a:t>
+            </a:r>
+          </a:p>
+          <a:p>
             <a:pPr rtl="0"/>
             <a:endParaRPr lang="pl-PL" dirty="0"/>
           </a:p>
@@ -1733,6 +1723,46 @@
           <a:bodyPr rtlCol="0"/>
           <a:lstStyle/>
           <a:p>
+            <a:r>
+              <a:rPr lang="pl-PL" b="1" dirty="0"/>
+              <a:t>SLIDE 3 — Dane</a:t>
+            </a:r>
+          </a:p>
+          <a:p>
+            <a:r>
+              <a:rPr lang="pl-PL" b="1" dirty="0"/>
+              <a:t>Co mówisz:</a:t>
+            </a:r>
+            <a:endParaRPr lang="pl-PL" dirty="0"/>
+          </a:p>
+          <a:p>
+            <a:r>
+              <a:rPr lang="pl-PL" dirty="0"/>
+              <a:t>Zbiór składa się z 220 obrazów należących do 5 klas. Stały zbiór testowy ma 20 obrazów rzeczywistych, po 4 na klasę, i był identyczny we wszystkich eksperymentach.</a:t>
+            </a:r>
+          </a:p>
+          <a:p>
+            <a:r>
+              <a:rPr lang="pl-PL" b="1" dirty="0"/>
+              <a:t>WAŻNE zdanie (zawsze punktuje):</a:t>
+            </a:r>
+            <a:endParaRPr lang="pl-PL" dirty="0"/>
+          </a:p>
+          <a:p>
+            <a:r>
+              <a:rPr lang="pl-PL" dirty="0"/>
+              <a:t>Zbiór testowy jest niewielki, więc pojedyncza pomyłka zmienia </a:t>
+            </a:r>
+            <a:r>
+              <a:rPr lang="pl-PL" dirty="0" err="1"/>
+              <a:t>accuracy</a:t>
+            </a:r>
+            <a:r>
+              <a:rPr lang="pl-PL" dirty="0"/>
+              <a:t> o 5 punktów procentowych.</a:t>
+            </a:r>
+          </a:p>
+          <a:p>
             <a:pPr rtl="0"/>
             <a:endParaRPr lang="pl-PL" dirty="0"/>
           </a:p>
@@ -1783,7 +1813,7 @@
         <p:cNvPr id="1" name="">
           <a:extLst>
             <a:ext uri="{FF2B5EF4-FFF2-40B4-BE49-F238E27FC236}">
-              <a16:creationId xmlns:a16="http://schemas.microsoft.com/office/drawing/2014/main" id="{2B050C95-1171-11B9-326B-A5834E655B51}"/>
+              <a16:creationId xmlns:a16="http://schemas.microsoft.com/office/drawing/2014/main" id="{46E89A14-E972-A239-A1F4-A589F005242F}"/>
             </a:ext>
           </a:extLst>
         </p:cNvPr>
@@ -1803,7 +1833,7 @@
           <p:cNvPr id="2" name="Obraz slajdu — symbol zastępczy 1">
             <a:extLst>
               <a:ext uri="{FF2B5EF4-FFF2-40B4-BE49-F238E27FC236}">
-                <a16:creationId xmlns:a16="http://schemas.microsoft.com/office/drawing/2014/main" id="{A8A7BCC8-CD47-D4CA-E89D-0F324023FB40}"/>
+                <a16:creationId xmlns:a16="http://schemas.microsoft.com/office/drawing/2014/main" id="{BECB5DC5-954B-9540-CD08-453208907446}"/>
               </a:ext>
             </a:extLst>
           </p:cNvPr>
@@ -1821,7 +1851,7 @@
           <p:cNvPr id="3" name="Notatki — symbol zastępczy 2">
             <a:extLst>
               <a:ext uri="{FF2B5EF4-FFF2-40B4-BE49-F238E27FC236}">
-                <a16:creationId xmlns:a16="http://schemas.microsoft.com/office/drawing/2014/main" id="{CCF24A58-17DD-22F0-CDC8-3CE83D6BDD52}"/>
+                <a16:creationId xmlns:a16="http://schemas.microsoft.com/office/drawing/2014/main" id="{DDD6BD25-E200-1C21-3759-119BC5018511}"/>
               </a:ext>
             </a:extLst>
           </p:cNvPr>
@@ -1838,7 +1868,7 @@
           <a:lstStyle/>
           <a:p>
             <a:pPr rtl="0"/>
-            <a:endParaRPr lang="pl-PL" dirty="0">
+            <a:endParaRPr lang="pl-PL" i="0" dirty="0">
               <a:latin typeface="Segoe UI" panose="020B0502040204020203" pitchFamily="34" charset="0"/>
               <a:cs typeface="Segoe UI" panose="020B0502040204020203" pitchFamily="34" charset="0"/>
             </a:endParaRPr>
@@ -1850,7 +1880,7 @@
           <p:cNvPr id="4" name="Numer slajdu — symbol zastępczy 3">
             <a:extLst>
               <a:ext uri="{FF2B5EF4-FFF2-40B4-BE49-F238E27FC236}">
-                <a16:creationId xmlns:a16="http://schemas.microsoft.com/office/drawing/2014/main" id="{EA0CACF9-108C-B28B-0F91-CA9C58F55DD5}"/>
+                <a16:creationId xmlns:a16="http://schemas.microsoft.com/office/drawing/2014/main" id="{310562A4-2366-7E76-1556-B24B3C51A2A2}"/>
               </a:ext>
             </a:extLst>
           </p:cNvPr>
@@ -1878,7 +1908,7 @@
     </p:spTree>
     <p:extLst>
       <p:ext uri="{BB962C8B-B14F-4D97-AF65-F5344CB8AC3E}">
-        <p14:creationId xmlns:p14="http://schemas.microsoft.com/office/powerpoint/2010/main" val="1267327195"/>
+        <p14:creationId xmlns:p14="http://schemas.microsoft.com/office/powerpoint/2010/main" val="480624108"/>
       </p:ext>
     </p:extLst>
   </p:cSld>
@@ -1931,6 +1961,25 @@
         <p:txBody>
           <a:bodyPr rtlCol="0"/>
           <a:lstStyle/>
+          <a:p>
+            <a:r>
+              <a:rPr lang="pl-PL" b="1" dirty="0"/>
+              <a:t>SLIDE 5 — Augmentacje A1–A4</a:t>
+            </a:r>
+          </a:p>
+          <a:p>
+            <a:r>
+              <a:rPr lang="pl-PL" b="1" dirty="0"/>
+              <a:t>Co mówisz:</a:t>
+            </a:r>
+            <a:endParaRPr lang="pl-PL" dirty="0"/>
+          </a:p>
+          <a:p>
+            <a:r>
+              <a:rPr lang="pl-PL" dirty="0"/>
+              <a:t>Dla każdego scenariusza zastosowałem cztery warianty augmentacji – od minimalnej do bardziej agresywnej – żeby sprawdzić, czy augmentacja realnie poprawia generalizację.</a:t>
+            </a:r>
+          </a:p>
           <a:p>
             <a:pPr marL="0" indent="0" rtl="0">
               <a:buFont typeface="Arial" panose="020B0604020202020204" pitchFamily="34" charset="0"/>
@@ -2132,7 +2181,18 @@
               <a:buFont typeface="Arial" panose="020B0604020202020204" pitchFamily="34" charset="0"/>
               <a:buNone/>
             </a:pPr>
-            <a:endParaRPr lang="pl-PL" dirty="0"/>
+            <a:r>
+              <a:rPr lang="pl-PL" dirty="0"/>
+              <a:t>Do oceny użyłem </a:t>
+            </a:r>
+            <a:r>
+              <a:rPr lang="pl-PL" dirty="0" err="1"/>
+              <a:t>accuracy</a:t>
+            </a:r>
+            <a:r>
+              <a:rPr lang="pl-PL" dirty="0"/>
+              <a:t> oraz macro-F1, ponieważ macro-F1 lepiej pokazuje jakość klasyfikacji dla każdej klasy, niezależnie od ich liczności.</a:t>
+            </a:r>
           </a:p>
         </p:txBody>
       </p:sp>
@@ -2224,6 +2284,18 @@
           <a:lstStyle/>
           <a:p>
             <a:pPr rtl="0"/>
+            <a:r>
+              <a:rPr lang="pl-PL" dirty="0"/>
+              <a:t>Średnio EfficientNet-B0 osiąga wyraźnie lepsze wyniki niż ShuffleNetV2, zarówno pod względem </a:t>
+            </a:r>
+            <a:r>
+              <a:rPr lang="pl-PL" dirty="0" err="1"/>
+              <a:t>accuracy</a:t>
+            </a:r>
+            <a:r>
+              <a:rPr lang="pl-PL" dirty="0"/>
+              <a:t>, jak i macro-F1.</a:t>
+            </a:r>
             <a:endParaRPr lang="pl-PL" dirty="0">
               <a:latin typeface="Segoe UI" panose="020B0502040204020203" pitchFamily="34" charset="0"/>
               <a:cs typeface="Segoe UI" panose="020B0502040204020203" pitchFamily="34" charset="0"/>
@@ -2331,6 +2403,10 @@
           <a:lstStyle/>
           <a:p>
             <a:pPr rtl="0"/>
+            <a:r>
+              <a:rPr lang="pl-PL" dirty="0"/>
+              <a:t>Najlepsze wyniki uzyskano dla E1, a najgorsze dla E4, co pokazuje, że liczba danych treningowych ma kluczowy wpływ na skuteczność modelu.</a:t>
+            </a:r>
             <a:endParaRPr lang="pl-PL" dirty="0">
               <a:latin typeface="Segoe UI" panose="020B0502040204020203" pitchFamily="34" charset="0"/>
               <a:cs typeface="Segoe UI" panose="020B0502040204020203" pitchFamily="34" charset="0"/>
@@ -2531,7 +2607,7 @@
             <a:pPr rtl="0"/>
             <a:fld id="{C1D51977-AFD3-4906-A464-3356BE86713F}" type="datetime1">
               <a:rPr lang="pl-PL" noProof="0" smtClean="0"/>
-              <a:t>07.02.2026</a:t>
+              <a:t>09.02.2026</a:t>
             </a:fld>
             <a:endParaRPr lang="pl-PL" noProof="0"/>
           </a:p>
@@ -2733,7 +2809,7 @@
             <a:pPr rtl="0"/>
             <a:fld id="{D6159452-3878-4479-850A-10341FA79439}" type="datetime1">
               <a:rPr lang="pl-PL" noProof="0" smtClean="0"/>
-              <a:t>07.02.2026</a:t>
+              <a:t>09.02.2026</a:t>
             </a:fld>
             <a:endParaRPr lang="pl-PL" noProof="0"/>
           </a:p>
@@ -2945,7 +3021,7 @@
             <a:pPr rtl="0"/>
             <a:fld id="{CD829CF0-1B4B-4986-841F-7369F92EEE33}" type="datetime1">
               <a:rPr lang="pl-PL" noProof="0" smtClean="0"/>
-              <a:t>07.02.2026</a:t>
+              <a:t>09.02.2026</a:t>
             </a:fld>
             <a:endParaRPr lang="pl-PL" noProof="0"/>
           </a:p>
@@ -3147,7 +3223,7 @@
             <a:pPr rtl="0"/>
             <a:fld id="{8A08976F-5103-4B60-9698-B3CBCEAA5A20}" type="datetime1">
               <a:rPr lang="pl-PL" noProof="0" smtClean="0"/>
-              <a:t>07.02.2026</a:t>
+              <a:t>09.02.2026</a:t>
             </a:fld>
             <a:endParaRPr lang="pl-PL" noProof="0"/>
           </a:p>
@@ -3426,7 +3502,7 @@
             <a:pPr rtl="0"/>
             <a:fld id="{0005B712-7E97-4A7A-B203-AC060884987C}" type="datetime1">
               <a:rPr lang="pl-PL" noProof="0" smtClean="0"/>
-              <a:t>07.02.2026</a:t>
+              <a:t>09.02.2026</a:t>
             </a:fld>
             <a:endParaRPr lang="pl-PL" noProof="0"/>
           </a:p>
@@ -3695,7 +3771,7 @@
             <a:pPr rtl="0"/>
             <a:fld id="{C18B32A2-2AD1-4C93-BDB7-82DB29E745EB}" type="datetime1">
               <a:rPr lang="pl-PL" noProof="0" smtClean="0"/>
-              <a:t>07.02.2026</a:t>
+              <a:t>09.02.2026</a:t>
             </a:fld>
             <a:endParaRPr lang="pl-PL" noProof="0"/>
           </a:p>
@@ -4111,7 +4187,7 @@
             <a:pPr rtl="0"/>
             <a:fld id="{518F07CE-77C5-4E62-B332-06F09E55C5E5}" type="datetime1">
               <a:rPr lang="pl-PL" noProof="0" smtClean="0"/>
-              <a:t>07.02.2026</a:t>
+              <a:t>09.02.2026</a:t>
             </a:fld>
             <a:endParaRPr lang="pl-PL" noProof="0"/>
           </a:p>
@@ -4256,7 +4332,7 @@
             <a:pPr rtl="0"/>
             <a:fld id="{39A48399-4B09-40FE-BAD6-60CD2D8C5191}" type="datetime1">
               <a:rPr lang="pl-PL" noProof="0" smtClean="0"/>
-              <a:t>07.02.2026</a:t>
+              <a:t>09.02.2026</a:t>
             </a:fld>
             <a:endParaRPr lang="pl-PL" noProof="0"/>
           </a:p>
@@ -4372,7 +4448,7 @@
             <a:pPr rtl="0"/>
             <a:fld id="{DBD63692-C192-46F8-8745-BEDD3FFBC95F}" type="datetime1">
               <a:rPr lang="pl-PL" noProof="0" smtClean="0"/>
-              <a:t>07.02.2026</a:t>
+              <a:t>09.02.2026</a:t>
             </a:fld>
             <a:endParaRPr lang="pl-PL" noProof="0"/>
           </a:p>
@@ -4687,7 +4763,7 @@
             <a:pPr rtl="0"/>
             <a:fld id="{4710968E-42B4-495F-9585-C12587996C9C}" type="datetime1">
               <a:rPr lang="pl-PL" noProof="0" smtClean="0"/>
-              <a:t>07.02.2026</a:t>
+              <a:t>09.02.2026</a:t>
             </a:fld>
             <a:endParaRPr lang="pl-PL" noProof="0"/>
           </a:p>
@@ -4983,7 +5059,7 @@
             <a:pPr rtl="0"/>
             <a:fld id="{04A13897-3E29-44B2-9482-FF707DDBBCB2}" type="datetime1">
               <a:rPr lang="pl-PL" noProof="0" smtClean="0"/>
-              <a:t>07.02.2026</a:t>
+              <a:t>09.02.2026</a:t>
             </a:fld>
             <a:endParaRPr lang="pl-PL" noProof="0"/>
           </a:p>
@@ -5228,7 +5304,7 @@
             <a:pPr rtl="0"/>
             <a:fld id="{16D695F4-B153-42CA-BA50-31F1733A3166}" type="datetime1">
               <a:rPr lang="pl-PL" noProof="0" smtClean="0"/>
-              <a:t>07.02.2026</a:t>
+              <a:t>09.02.2026</a:t>
             </a:fld>
             <a:endParaRPr lang="pl-PL" noProof="0"/>
           </a:p>
@@ -8531,245 +8607,6 @@
     </p:bg>
     <p:spTree>
       <p:nvGrpSpPr>
-        <p:cNvPr id="1" name=""/>
-        <p:cNvGrpSpPr/>
-        <p:nvPr/>
-      </p:nvGrpSpPr>
-      <p:grpSpPr>
-        <a:xfrm>
-          <a:off x="0" y="0"/>
-          <a:ext cx="0" cy="0"/>
-          <a:chOff x="0" y="0"/>
-          <a:chExt cx="0" cy="0"/>
-        </a:xfrm>
-      </p:grpSpPr>
-      <p:sp>
-        <p:nvSpPr>
-          <p:cNvPr id="2" name="Tytuł 1">
-            <a:extLst>
-              <a:ext uri="{FF2B5EF4-FFF2-40B4-BE49-F238E27FC236}">
-                <a16:creationId xmlns:a16="http://schemas.microsoft.com/office/drawing/2014/main" id="{DD648CF1-C72A-4313-8FC7-BF6DD4642AFE}"/>
-              </a:ext>
-            </a:extLst>
-          </p:cNvPr>
-          <p:cNvSpPr>
-            <a:spLocks noGrp="1"/>
-          </p:cNvSpPr>
-          <p:nvPr>
-            <p:ph type="title"/>
-          </p:nvPr>
-        </p:nvSpPr>
-        <p:spPr>
-          <a:xfrm>
-            <a:off x="1740543" y="241103"/>
-            <a:ext cx="8448486" cy="1469965"/>
-          </a:xfrm>
-        </p:spPr>
-        <p:txBody>
-          <a:bodyPr rtlCol="0" anchor="ctr">
-            <a:normAutofit/>
-          </a:bodyPr>
-          <a:lstStyle/>
-          <a:p>
-            <a:r>
-              <a:rPr lang="pl-PL" b="1" dirty="0">
-                <a:latin typeface="Franklin Gothic Book" panose="020B0503020102020204" pitchFamily="34" charset="0"/>
-              </a:rPr>
-              <a:t>Ograniczenia</a:t>
-            </a:r>
-            <a:r>
-              <a:rPr lang="pl-PL" b="1" dirty="0"/>
-              <a:t> eksperymentu</a:t>
-            </a:r>
-            <a:endParaRPr lang="pl-PL" b="1" dirty="0">
-              <a:latin typeface="Franklin Gothic Book" panose="020B0503020102020204" pitchFamily="34" charset="0"/>
-              <a:cs typeface="Segoe UI" panose="020B0502040204020203" pitchFamily="34" charset="0"/>
-            </a:endParaRPr>
-          </a:p>
-        </p:txBody>
-      </p:sp>
-      <p:pic>
-        <p:nvPicPr>
-          <p:cNvPr id="4" name="Grafika 3" descr="Tablica">
-            <a:extLst>
-              <a:ext uri="{FF2B5EF4-FFF2-40B4-BE49-F238E27FC236}">
-                <a16:creationId xmlns:a16="http://schemas.microsoft.com/office/drawing/2014/main" id="{A4298283-DDB8-4365-95A1-90935E16BE2B}"/>
-              </a:ext>
-            </a:extLst>
-          </p:cNvPr>
-          <p:cNvPicPr>
-            <a:picLocks noChangeAspect="1"/>
-          </p:cNvPicPr>
-          <p:nvPr/>
-        </p:nvPicPr>
-        <p:blipFill>
-          <a:blip r:embed="rId3">
-            <a:extLst>
-              <a:ext uri="{28A0092B-C50C-407E-A947-70E740481C1C}">
-                <a14:useLocalDpi xmlns:a14="http://schemas.microsoft.com/office/drawing/2010/main" val="0"/>
-              </a:ext>
-              <a:ext uri="{96DAC541-7B7A-43D3-8B79-37D633B846F1}">
-                <asvg:svgBlip xmlns:asvg="http://schemas.microsoft.com/office/drawing/2016/SVG/main" r:embed="rId4"/>
-              </a:ext>
-            </a:extLst>
-          </a:blip>
-          <a:stretch>
-            <a:fillRect/>
-          </a:stretch>
-        </p:blipFill>
-        <p:spPr>
-          <a:xfrm>
-            <a:off x="325242" y="427446"/>
-            <a:ext cx="1097280" cy="1097280"/>
-          </a:xfrm>
-          <a:prstGeom prst="rect">
-            <a:avLst/>
-          </a:prstGeom>
-        </p:spPr>
-      </p:pic>
-      <p:sp>
-        <p:nvSpPr>
-          <p:cNvPr id="6" name="Zawartość — symbol zastępczy 5">
-            <a:extLst>
-              <a:ext uri="{FF2B5EF4-FFF2-40B4-BE49-F238E27FC236}">
-                <a16:creationId xmlns:a16="http://schemas.microsoft.com/office/drawing/2014/main" id="{C856D755-2374-40B4-B692-603C5E927388}"/>
-              </a:ext>
-            </a:extLst>
-          </p:cNvPr>
-          <p:cNvSpPr>
-            <a:spLocks noGrp="1"/>
-          </p:cNvSpPr>
-          <p:nvPr>
-            <p:ph idx="1"/>
-          </p:nvPr>
-        </p:nvSpPr>
-        <p:spPr>
-          <a:xfrm>
-            <a:off x="2382934" y="1711068"/>
-            <a:ext cx="5962782" cy="3020713"/>
-          </a:xfrm>
-        </p:spPr>
-        <p:txBody>
-          <a:bodyPr vert="horz" lIns="91440" tIns="45720" rIns="91440" bIns="45720" rtlCol="0" anchor="t">
-            <a:normAutofit/>
-          </a:bodyPr>
-          <a:lstStyle/>
-          <a:p>
-            <a:r>
-              <a:rPr lang="pl-PL" dirty="0">
-                <a:latin typeface="Segoe UI" panose="020B0502040204020203" pitchFamily="34" charset="0"/>
-                <a:cs typeface="Segoe UI" panose="020B0502040204020203" pitchFamily="34" charset="0"/>
-              </a:rPr>
-              <a:t>Mały zbiór testowy (20 obrazów)</a:t>
-            </a:r>
-          </a:p>
-          <a:p>
-            <a:endParaRPr lang="pl-PL" dirty="0">
-              <a:latin typeface="Segoe UI" panose="020B0502040204020203" pitchFamily="34" charset="0"/>
-              <a:cs typeface="Segoe UI" panose="020B0502040204020203" pitchFamily="34" charset="0"/>
-            </a:endParaRPr>
-          </a:p>
-          <a:p>
-            <a:r>
-              <a:rPr lang="pl-PL" dirty="0">
-                <a:latin typeface="Segoe UI" panose="020B0502040204020203" pitchFamily="34" charset="0"/>
-                <a:cs typeface="Segoe UI" panose="020B0502040204020203" pitchFamily="34" charset="0"/>
-              </a:rPr>
-              <a:t>Duża wariancja wyników</a:t>
-            </a:r>
-          </a:p>
-          <a:p>
-            <a:endParaRPr lang="pl-PL" dirty="0">
-              <a:latin typeface="Segoe UI" panose="020B0502040204020203" pitchFamily="34" charset="0"/>
-              <a:cs typeface="Segoe UI" panose="020B0502040204020203" pitchFamily="34" charset="0"/>
-            </a:endParaRPr>
-          </a:p>
-          <a:p>
-            <a:r>
-              <a:rPr lang="pl-PL" dirty="0">
-                <a:latin typeface="Segoe UI" panose="020B0502040204020203" pitchFamily="34" charset="0"/>
-                <a:cs typeface="Segoe UI" panose="020B0502040204020203" pitchFamily="34" charset="0"/>
-              </a:rPr>
-              <a:t>Brak walidacji krzyżowej</a:t>
-            </a:r>
-          </a:p>
-        </p:txBody>
-      </p:sp>
-      <p:pic>
-        <p:nvPicPr>
-          <p:cNvPr id="8" name="Grafika 7">
-            <a:extLst>
-              <a:ext uri="{FF2B5EF4-FFF2-40B4-BE49-F238E27FC236}">
-                <a16:creationId xmlns:a16="http://schemas.microsoft.com/office/drawing/2014/main" id="{B6C7BDF7-D7AC-4209-A6A9-11B953F882E4}"/>
-              </a:ext>
-              <a:ext uri="{C183D7F6-B498-43B3-948B-1728B52AA6E4}">
-                <adec:decorative xmlns:adec="http://schemas.microsoft.com/office/drawing/2017/decorative" val="1"/>
-              </a:ext>
-            </a:extLst>
-          </p:cNvPr>
-          <p:cNvPicPr>
-            <a:picLocks noGrp="1" noRot="1" noChangeAspect="1" noMove="1" noResize="1" noEditPoints="1" noAdjustHandles="1" noChangeArrowheads="1" noChangeShapeType="1" noCrop="1"/>
-          </p:cNvPicPr>
-          <p:nvPr>
-            <p:extLst>
-              <p:ext uri="{386F3935-93C4-4BCD-93E2-E3B085C9AB24}">
-                <p16:designElem xmlns:p16="http://schemas.microsoft.com/office/powerpoint/2015/main" val="1"/>
-              </p:ext>
-            </p:extLst>
-          </p:nvPr>
-        </p:nvPicPr>
-        <p:blipFill>
-          <a:blip r:embed="rId3">
-            <a:alphaModFix amt="15000"/>
-            <a:extLst>
-              <a:ext uri="{28A0092B-C50C-407E-A947-70E740481C1C}">
-                <a14:useLocalDpi xmlns:a14="http://schemas.microsoft.com/office/drawing/2010/main" val="0"/>
-              </a:ext>
-              <a:ext uri="{96DAC541-7B7A-43D3-8B79-37D633B846F1}">
-                <asvg:svgBlip xmlns:asvg="http://schemas.microsoft.com/office/drawing/2016/SVG/main" r:embed="rId5"/>
-              </a:ext>
-            </a:extLst>
-          </a:blip>
-          <a:stretch>
-            <a:fillRect/>
-          </a:stretch>
-        </p:blipFill>
-        <p:spPr>
-          <a:xfrm>
-            <a:off x="6641431" y="816337"/>
-            <a:ext cx="5225327" cy="5225327"/>
-          </a:xfrm>
-          <a:prstGeom prst="rect">
-            <a:avLst/>
-          </a:prstGeom>
-        </p:spPr>
-      </p:pic>
-    </p:spTree>
-    <p:extLst>
-      <p:ext uri="{BB962C8B-B14F-4D97-AF65-F5344CB8AC3E}">
-        <p14:creationId xmlns:p14="http://schemas.microsoft.com/office/powerpoint/2010/main" val="3514892887"/>
-      </p:ext>
-    </p:extLst>
-  </p:cSld>
-  <p:clrMapOvr>
-    <a:masterClrMapping/>
-  </p:clrMapOvr>
-</p:sld>
-</file>
-
-<file path=ppt/slides/slide15.xml><?xml version="1.0" encoding="utf-8"?>
-<p:sld xmlns:a="http://schemas.openxmlformats.org/drawingml/2006/main" xmlns:r="http://schemas.openxmlformats.org/officeDocument/2006/relationships" xmlns:p="http://schemas.openxmlformats.org/presentationml/2006/main">
-  <p:cSld>
-    <p:bg>
-      <p:bgPr>
-        <a:solidFill>
-          <a:schemeClr val="bg1"/>
-        </a:solidFill>
-        <a:effectLst/>
-      </p:bgPr>
-    </p:bg>
-    <p:spTree>
-      <p:nvGrpSpPr>
         <p:cNvPr id="1" name="">
           <a:extLst>
             <a:ext uri="{FF2B5EF4-FFF2-40B4-BE49-F238E27FC236}">
@@ -9013,7 +8850,7 @@
 </p:sld>
 </file>
 
-<file path=ppt/slides/slide16.xml><?xml version="1.0" encoding="utf-8"?>
+<file path=ppt/slides/slide15.xml><?xml version="1.0" encoding="utf-8"?>
 <p:sld xmlns:a="http://schemas.openxmlformats.org/drawingml/2006/main" xmlns:r="http://schemas.openxmlformats.org/officeDocument/2006/relationships" xmlns:p="http://schemas.openxmlformats.org/presentationml/2006/main">
   <p:cSld>
     <p:bg>
@@ -9155,21 +8992,9 @@
             </a:r>
           </a:p>
           <a:p>
-            <a:endParaRPr lang="pl-PL" sz="2400" dirty="0">
-              <a:latin typeface="Segoe UI" panose="020B0502040204020203" pitchFamily="34" charset="0"/>
-              <a:cs typeface="Segoe UI" panose="020B0502040204020203" pitchFamily="34" charset="0"/>
-            </a:endParaRPr>
-          </a:p>
-          <a:p>
-            <a:r>
-              <a:rPr lang="pl-PL" sz="2400" dirty="0">
-                <a:latin typeface="Segoe UI" panose="020B0502040204020203" pitchFamily="34" charset="0"/>
-                <a:cs typeface="Segoe UI" panose="020B0502040204020203" pitchFamily="34" charset="0"/>
-              </a:rPr>
-              <a:t>walidacja krzyżowa</a:t>
-            </a:r>
-          </a:p>
-          <a:p>
+            <a:pPr marL="0" indent="0">
+              <a:buNone/>
+            </a:pPr>
             <a:endParaRPr lang="pl-PL" sz="2400" dirty="0">
               <a:latin typeface="Segoe UI" panose="020B0502040204020203" pitchFamily="34" charset="0"/>
               <a:cs typeface="Segoe UI" panose="020B0502040204020203" pitchFamily="34" charset="0"/>
@@ -9280,7 +9105,7 @@
 </p:sld>
 </file>
 
-<file path=ppt/slides/slide17.xml><?xml version="1.0" encoding="utf-8"?>
+<file path=ppt/slides/slide16.xml><?xml version="1.0" encoding="utf-8"?>
 <p:sld xmlns:a="http://schemas.openxmlformats.org/drawingml/2006/main" xmlns:r="http://schemas.openxmlformats.org/officeDocument/2006/relationships" xmlns:p="http://schemas.openxmlformats.org/presentationml/2006/main">
   <p:cSld>
     <p:bg>
@@ -10793,7 +10618,7 @@
         <p:cNvPr id="1" name="">
           <a:extLst>
             <a:ext uri="{FF2B5EF4-FFF2-40B4-BE49-F238E27FC236}">
-              <a16:creationId xmlns:a16="http://schemas.microsoft.com/office/drawing/2014/main" id="{68F9E175-B0A9-9978-D7C2-413B4B5142DA}"/>
+              <a16:creationId xmlns:a16="http://schemas.microsoft.com/office/drawing/2014/main" id="{10013D67-3453-2505-CEB8-57ABA467ACE1}"/>
             </a:ext>
           </a:extLst>
         </p:cNvPr>
@@ -10813,7 +10638,7 @@
           <p:cNvPr id="2" name="Tytuł 1">
             <a:extLst>
               <a:ext uri="{FF2B5EF4-FFF2-40B4-BE49-F238E27FC236}">
-                <a16:creationId xmlns:a16="http://schemas.microsoft.com/office/drawing/2014/main" id="{E8971677-6594-82E6-91CA-5E530D7151FF}"/>
+                <a16:creationId xmlns:a16="http://schemas.microsoft.com/office/drawing/2014/main" id="{F2CADD03-AF3D-1F4A-7745-CCCBB236F6F4}"/>
               </a:ext>
             </a:extLst>
           </p:cNvPr>
@@ -10826,8 +10651,8 @@
         </p:nvSpPr>
         <p:spPr>
           <a:xfrm>
-            <a:off x="2132085" y="808861"/>
-            <a:ext cx="4509346" cy="1469965"/>
+            <a:off x="1745872" y="379680"/>
+            <a:ext cx="5406902" cy="1469965"/>
           </a:xfrm>
         </p:spPr>
         <p:txBody>
@@ -10836,23 +10661,25 @@
           </a:bodyPr>
           <a:lstStyle/>
           <a:p>
-            <a:pPr rtl="0"/>
             <a:r>
               <a:rPr lang="pl-PL" b="1" dirty="0">
                 <a:latin typeface="Franklin Gothic Book" panose="020B0503020102020204" pitchFamily="34" charset="0"/>
-                <a:cs typeface="Segoe UI" panose="020B0502040204020203" pitchFamily="34" charset="0"/>
               </a:rPr>
               <a:t>Augmentacje</a:t>
             </a:r>
+            <a:endParaRPr lang="pl-PL" b="1" dirty="0">
+              <a:latin typeface="Franklin Gothic Book" panose="020B0503020102020204" pitchFamily="34" charset="0"/>
+              <a:cs typeface="Segoe UI" panose="020B0502040204020203" pitchFamily="34" charset="0"/>
+            </a:endParaRPr>
           </a:p>
         </p:txBody>
       </p:sp>
       <p:pic>
         <p:nvPicPr>
-          <p:cNvPr id="5" name="Grafika 4" descr="Otwarta książka">
-            <a:extLst>
-              <a:ext uri="{FF2B5EF4-FFF2-40B4-BE49-F238E27FC236}">
-                <a16:creationId xmlns:a16="http://schemas.microsoft.com/office/drawing/2014/main" id="{8588BCC0-3182-F509-0642-1E98C8082146}"/>
+          <p:cNvPr id="4" name="Zawartość — symbol zastępczy 4" descr="Szale Sprawiedliwości">
+            <a:extLst>
+              <a:ext uri="{FF2B5EF4-FFF2-40B4-BE49-F238E27FC236}">
+                <a16:creationId xmlns:a16="http://schemas.microsoft.com/office/drawing/2014/main" id="{E4969664-715E-B51A-2683-1D2E5CE4F3E6}"/>
               </a:ext>
             </a:extLst>
           </p:cNvPr>
@@ -10878,7 +10705,7 @@
         </p:blipFill>
         <p:spPr>
           <a:xfrm>
-            <a:off x="533400" y="995204"/>
+            <a:off x="446314" y="412932"/>
             <a:ext cx="1097280" cy="1097280"/>
           </a:xfrm>
           <a:prstGeom prst="rect">
@@ -10886,110 +10713,12 @@
           </a:prstGeom>
         </p:spPr>
       </p:pic>
-      <p:sp>
-        <p:nvSpPr>
-          <p:cNvPr id="3" name="Zawartość — symbol zastępczy 2">
-            <a:extLst>
-              <a:ext uri="{FF2B5EF4-FFF2-40B4-BE49-F238E27FC236}">
-                <a16:creationId xmlns:a16="http://schemas.microsoft.com/office/drawing/2014/main" id="{274EE176-8F51-8F81-52EC-2F3E4082C110}"/>
-              </a:ext>
-            </a:extLst>
-          </p:cNvPr>
-          <p:cNvSpPr>
-            <a:spLocks noGrp="1"/>
-          </p:cNvSpPr>
-          <p:nvPr>
-            <p:ph idx="1"/>
-          </p:nvPr>
-        </p:nvSpPr>
-        <p:spPr>
-          <a:xfrm>
-            <a:off x="2132085" y="2278826"/>
-            <a:ext cx="7476372" cy="3762837"/>
-          </a:xfrm>
-        </p:spPr>
-        <p:txBody>
-          <a:bodyPr vert="horz" lIns="91440" tIns="45720" rIns="91440" bIns="45720" rtlCol="0" anchor="t">
-            <a:normAutofit lnSpcReduction="10000"/>
-          </a:bodyPr>
-          <a:lstStyle/>
-          <a:p>
-            <a:r>
-              <a:rPr lang="pl-PL" sz="2000" dirty="0">
-                <a:latin typeface="Segoe UI" panose="020B0502040204020203" pitchFamily="34" charset="0"/>
-                <a:cs typeface="Segoe UI" panose="020B0502040204020203" pitchFamily="34" charset="0"/>
-              </a:rPr>
-              <a:t>A1 – podstawowe przekształcenia</a:t>
-            </a:r>
-          </a:p>
-          <a:p>
-            <a:endParaRPr lang="pl-PL" sz="2000" dirty="0">
-              <a:latin typeface="Segoe UI" panose="020B0502040204020203" pitchFamily="34" charset="0"/>
-              <a:cs typeface="Segoe UI" panose="020B0502040204020203" pitchFamily="34" charset="0"/>
-            </a:endParaRPr>
-          </a:p>
-          <a:p>
-            <a:r>
-              <a:rPr lang="pl-PL" sz="2000" dirty="0">
-                <a:latin typeface="Segoe UI" panose="020B0502040204020203" pitchFamily="34" charset="0"/>
-                <a:cs typeface="Segoe UI" panose="020B0502040204020203" pitchFamily="34" charset="0"/>
-              </a:rPr>
-              <a:t>A2 – umiarkowana augmentacja</a:t>
-            </a:r>
-          </a:p>
-          <a:p>
-            <a:endParaRPr lang="pl-PL" sz="2000" dirty="0">
-              <a:latin typeface="Segoe UI" panose="020B0502040204020203" pitchFamily="34" charset="0"/>
-              <a:cs typeface="Segoe UI" panose="020B0502040204020203" pitchFamily="34" charset="0"/>
-            </a:endParaRPr>
-          </a:p>
-          <a:p>
-            <a:r>
-              <a:rPr lang="pl-PL" sz="2000" dirty="0">
-                <a:latin typeface="Segoe UI" panose="020B0502040204020203" pitchFamily="34" charset="0"/>
-                <a:cs typeface="Segoe UI" panose="020B0502040204020203" pitchFamily="34" charset="0"/>
-              </a:rPr>
-              <a:t>A3 – umiarkowana augmentacja (wariant)</a:t>
-            </a:r>
-          </a:p>
-          <a:p>
-            <a:endParaRPr lang="pl-PL" sz="2000" dirty="0">
-              <a:latin typeface="Segoe UI" panose="020B0502040204020203" pitchFamily="34" charset="0"/>
-              <a:cs typeface="Segoe UI" panose="020B0502040204020203" pitchFamily="34" charset="0"/>
-            </a:endParaRPr>
-          </a:p>
-          <a:p>
-            <a:r>
-              <a:rPr lang="pl-PL" sz="2000" dirty="0">
-                <a:latin typeface="Segoe UI" panose="020B0502040204020203" pitchFamily="34" charset="0"/>
-                <a:cs typeface="Segoe UI" panose="020B0502040204020203" pitchFamily="34" charset="0"/>
-              </a:rPr>
-              <a:t>A4 – agresywna augmentacja</a:t>
-            </a:r>
-          </a:p>
-          <a:p>
-            <a:endParaRPr lang="pl-PL" sz="2000" dirty="0">
-              <a:latin typeface="Segoe UI" panose="020B0502040204020203" pitchFamily="34" charset="0"/>
-              <a:cs typeface="Segoe UI" panose="020B0502040204020203" pitchFamily="34" charset="0"/>
-            </a:endParaRPr>
-          </a:p>
-          <a:p>
-            <a:r>
-              <a:rPr lang="pl-PL" sz="2000" dirty="0">
-                <a:latin typeface="Segoe UI" panose="020B0502040204020203" pitchFamily="34" charset="0"/>
-                <a:cs typeface="Segoe UI" panose="020B0502040204020203" pitchFamily="34" charset="0"/>
-              </a:rPr>
-              <a:t>Cel: zwiększenie zdolności generalizacji modelu przy ograniczonej liczbie danych</a:t>
-            </a:r>
-          </a:p>
-        </p:txBody>
-      </p:sp>
       <p:pic>
         <p:nvPicPr>
-          <p:cNvPr id="9" name="Grafika 8">
-            <a:extLst>
-              <a:ext uri="{FF2B5EF4-FFF2-40B4-BE49-F238E27FC236}">
-                <a16:creationId xmlns:a16="http://schemas.microsoft.com/office/drawing/2014/main" id="{1C552DDC-5A2B-CCE7-D876-7F3DB67DAA68}"/>
+          <p:cNvPr id="8" name="Zawartość — symbol zastępczy 4">
+            <a:extLst>
+              <a:ext uri="{FF2B5EF4-FFF2-40B4-BE49-F238E27FC236}">
+                <a16:creationId xmlns:a16="http://schemas.microsoft.com/office/drawing/2014/main" id="{5B521DE3-6995-AB49-AE4E-33E44D447AE8}"/>
               </a:ext>
               <a:ext uri="{C183D7F6-B498-43B3-948B-1728B52AA6E4}">
                 <adec:decorative xmlns:adec="http://schemas.microsoft.com/office/drawing/2017/decorative" val="1"/>
@@ -11033,10 +10762,396 @@
           </a:prstGeom>
         </p:spPr>
       </p:pic>
+      <p:graphicFrame>
+        <p:nvGraphicFramePr>
+          <p:cNvPr id="12" name="Symbol zastępczy zawartości 11">
+            <a:extLst>
+              <a:ext uri="{FF2B5EF4-FFF2-40B4-BE49-F238E27FC236}">
+                <a16:creationId xmlns:a16="http://schemas.microsoft.com/office/drawing/2014/main" id="{B9A1FB1C-8427-8040-32CD-A8EACD93B4FE}"/>
+              </a:ext>
+            </a:extLst>
+          </p:cNvPr>
+          <p:cNvGraphicFramePr>
+            <a:graphicFrameLocks noGrp="1"/>
+          </p:cNvGraphicFramePr>
+          <p:nvPr>
+            <p:ph idx="1"/>
+            <p:extLst>
+              <p:ext uri="{D42A27DB-BD31-4B8C-83A1-F6EECF244321}">
+                <p14:modId xmlns:p14="http://schemas.microsoft.com/office/powerpoint/2010/main" val="2374965792"/>
+              </p:ext>
+            </p:extLst>
+          </p:nvPr>
+        </p:nvGraphicFramePr>
+        <p:xfrm>
+          <a:off x="1745872" y="2159159"/>
+          <a:ext cx="8384142" cy="2936717"/>
+        </p:xfrm>
+        <a:graphic>
+          <a:graphicData uri="http://schemas.openxmlformats.org/drawingml/2006/table">
+            <a:tbl>
+              <a:tblPr>
+                <a:tableStyleId>{5C22544A-7EE6-4342-B048-85BDC9FD1C3A}</a:tableStyleId>
+              </a:tblPr>
+              <a:tblGrid>
+                <a:gridCol w="2628542">
+                  <a:extLst>
+                    <a:ext uri="{9D8B030D-6E8A-4147-A177-3AD203B41FA5}">
+                      <a16:colId xmlns:a16="http://schemas.microsoft.com/office/drawing/2014/main" val="1668588439"/>
+                    </a:ext>
+                  </a:extLst>
+                </a:gridCol>
+                <a:gridCol w="2877800">
+                  <a:extLst>
+                    <a:ext uri="{9D8B030D-6E8A-4147-A177-3AD203B41FA5}">
+                      <a16:colId xmlns:a16="http://schemas.microsoft.com/office/drawing/2014/main" val="3618649058"/>
+                    </a:ext>
+                  </a:extLst>
+                </a:gridCol>
+                <a:gridCol w="2877800">
+                  <a:extLst>
+                    <a:ext uri="{9D8B030D-6E8A-4147-A177-3AD203B41FA5}">
+                      <a16:colId xmlns:a16="http://schemas.microsoft.com/office/drawing/2014/main" val="3482710321"/>
+                    </a:ext>
+                  </a:extLst>
+                </a:gridCol>
+              </a:tblGrid>
+              <a:tr h="652604">
+                <a:tc>
+                  <a:txBody>
+                    <a:bodyPr/>
+                    <a:lstStyle/>
+                    <a:p>
+                      <a:pPr algn="ctr" fontAlgn="ctr">
+                        <a:buNone/>
+                      </a:pPr>
+                      <a:r>
+                        <a:rPr lang="pl-PL" sz="2000" u="none" strike="noStrike">
+                          <a:effectLst/>
+                        </a:rPr>
+                        <a:t>Aug1</a:t>
+                      </a:r>
+                      <a:endParaRPr lang="pl-PL" sz="2000" b="0" i="0" u="none" strike="noStrike">
+                        <a:solidFill>
+                          <a:srgbClr val="000000"/>
+                        </a:solidFill>
+                        <a:effectLst/>
+                        <a:latin typeface="Calibri" panose="020F0502020204030204" pitchFamily="34" charset="0"/>
+                      </a:endParaRPr>
+                    </a:p>
+                  </a:txBody>
+                  <a:tcPr marL="13596" marR="13596" marT="13596" marB="0" anchor="ctr"/>
+                </a:tc>
+                <a:tc>
+                  <a:txBody>
+                    <a:bodyPr/>
+                    <a:lstStyle/>
+                    <a:p>
+                      <a:pPr algn="l" fontAlgn="ctr">
+                        <a:buNone/>
+                      </a:pPr>
+                      <a:r>
+                        <a:rPr lang="pl-PL" sz="2000" u="none" strike="noStrike">
+                          <a:effectLst/>
+                        </a:rPr>
+                        <a:t>Baseline (kontrolny)</a:t>
+                      </a:r>
+                      <a:endParaRPr lang="pl-PL" sz="2000" b="0" i="0" u="none" strike="noStrike">
+                        <a:solidFill>
+                          <a:srgbClr val="000000"/>
+                        </a:solidFill>
+                        <a:effectLst/>
+                        <a:latin typeface="Calibri" panose="020F0502020204030204" pitchFamily="34" charset="0"/>
+                      </a:endParaRPr>
+                    </a:p>
+                  </a:txBody>
+                  <a:tcPr marL="13596" marR="13596" marT="13596" marB="0" anchor="ctr"/>
+                </a:tc>
+                <a:tc>
+                  <a:txBody>
+                    <a:bodyPr/>
+                    <a:lstStyle/>
+                    <a:p>
+                      <a:pPr algn="l" fontAlgn="ctr">
+                        <a:buNone/>
+                      </a:pPr>
+                      <a:r>
+                        <a:rPr lang="pl-PL" sz="2000" u="none" strike="noStrike">
+                          <a:effectLst/>
+                        </a:rPr>
+                        <a:t>Brak augmentacji – punkt odniesienia</a:t>
+                      </a:r>
+                      <a:endParaRPr lang="pl-PL" sz="2000" b="0" i="0" u="none" strike="noStrike">
+                        <a:solidFill>
+                          <a:srgbClr val="000000"/>
+                        </a:solidFill>
+                        <a:effectLst/>
+                        <a:latin typeface="Calibri" panose="020F0502020204030204" pitchFamily="34" charset="0"/>
+                      </a:endParaRPr>
+                    </a:p>
+                  </a:txBody>
+                  <a:tcPr marL="13596" marR="13596" marT="13596" marB="0" anchor="ctr"/>
+                </a:tc>
+                <a:extLst>
+                  <a:ext uri="{0D108BD9-81ED-4DB2-BD59-A6C34878D82A}">
+                    <a16:rowId xmlns:a16="http://schemas.microsoft.com/office/drawing/2014/main" val="4079738989"/>
+                  </a:ext>
+                </a:extLst>
+              </a:tr>
+              <a:tr h="652604">
+                <a:tc>
+                  <a:txBody>
+                    <a:bodyPr/>
+                    <a:lstStyle/>
+                    <a:p>
+                      <a:pPr algn="ctr" fontAlgn="ctr">
+                        <a:buNone/>
+                      </a:pPr>
+                      <a:r>
+                        <a:rPr lang="pl-PL" sz="2000" u="none" strike="noStrike">
+                          <a:effectLst/>
+                        </a:rPr>
+                        <a:t>Aug2</a:t>
+                      </a:r>
+                      <a:endParaRPr lang="pl-PL" sz="2000" b="0" i="0" u="none" strike="noStrike">
+                        <a:solidFill>
+                          <a:srgbClr val="000000"/>
+                        </a:solidFill>
+                        <a:effectLst/>
+                        <a:latin typeface="Calibri" panose="020F0502020204030204" pitchFamily="34" charset="0"/>
+                      </a:endParaRPr>
+                    </a:p>
+                  </a:txBody>
+                  <a:tcPr marL="13596" marR="13596" marT="13596" marB="0" anchor="ctr"/>
+                </a:tc>
+                <a:tc>
+                  <a:txBody>
+                    <a:bodyPr/>
+                    <a:lstStyle/>
+                    <a:p>
+                      <a:pPr algn="l" fontAlgn="ctr">
+                        <a:buNone/>
+                      </a:pPr>
+                      <a:r>
+                        <a:rPr lang="pl-PL" sz="2000" u="none" strike="noStrike">
+                          <a:effectLst/>
+                        </a:rPr>
+                        <a:t>Geometryczna</a:t>
+                      </a:r>
+                      <a:endParaRPr lang="pl-PL" sz="2000" b="0" i="0" u="none" strike="noStrike">
+                        <a:solidFill>
+                          <a:srgbClr val="000000"/>
+                        </a:solidFill>
+                        <a:effectLst/>
+                        <a:latin typeface="Calibri" panose="020F0502020204030204" pitchFamily="34" charset="0"/>
+                      </a:endParaRPr>
+                    </a:p>
+                  </a:txBody>
+                  <a:tcPr marL="13596" marR="13596" marT="13596" marB="0" anchor="ctr"/>
+                </a:tc>
+                <a:tc>
+                  <a:txBody>
+                    <a:bodyPr/>
+                    <a:lstStyle/>
+                    <a:p>
+                      <a:pPr algn="l" fontAlgn="ctr">
+                        <a:buNone/>
+                      </a:pPr>
+                      <a:r>
+                        <a:rPr lang="pl-PL" sz="2000" u="none" strike="noStrike">
+                          <a:effectLst/>
+                        </a:rPr>
+                        <a:t>Odporność na zmiany orientacji i położenia</a:t>
+                      </a:r>
+                      <a:endParaRPr lang="pl-PL" sz="2000" b="0" i="0" u="none" strike="noStrike">
+                        <a:solidFill>
+                          <a:srgbClr val="000000"/>
+                        </a:solidFill>
+                        <a:effectLst/>
+                        <a:latin typeface="Calibri" panose="020F0502020204030204" pitchFamily="34" charset="0"/>
+                      </a:endParaRPr>
+                    </a:p>
+                  </a:txBody>
+                  <a:tcPr marL="13596" marR="13596" marT="13596" marB="0" anchor="ctr"/>
+                </a:tc>
+                <a:extLst>
+                  <a:ext uri="{0D108BD9-81ED-4DB2-BD59-A6C34878D82A}">
+                    <a16:rowId xmlns:a16="http://schemas.microsoft.com/office/drawing/2014/main" val="724047150"/>
+                  </a:ext>
+                </a:extLst>
+              </a:tr>
+              <a:tr h="652604">
+                <a:tc>
+                  <a:txBody>
+                    <a:bodyPr/>
+                    <a:lstStyle/>
+                    <a:p>
+                      <a:pPr algn="ctr" fontAlgn="ctr">
+                        <a:buNone/>
+                      </a:pPr>
+                      <a:r>
+                        <a:rPr lang="pl-PL" sz="2000" u="none" strike="noStrike">
+                          <a:effectLst/>
+                        </a:rPr>
+                        <a:t>Aug3</a:t>
+                      </a:r>
+                      <a:endParaRPr lang="pl-PL" sz="2000" b="0" i="0" u="none" strike="noStrike">
+                        <a:solidFill>
+                          <a:srgbClr val="000000"/>
+                        </a:solidFill>
+                        <a:effectLst/>
+                        <a:latin typeface="Calibri" panose="020F0502020204030204" pitchFamily="34" charset="0"/>
+                      </a:endParaRPr>
+                    </a:p>
+                  </a:txBody>
+                  <a:tcPr marL="13596" marR="13596" marT="13596" marB="0" anchor="ctr"/>
+                </a:tc>
+                <a:tc>
+                  <a:txBody>
+                    <a:bodyPr/>
+                    <a:lstStyle/>
+                    <a:p>
+                      <a:pPr algn="l" fontAlgn="ctr">
+                        <a:buNone/>
+                      </a:pPr>
+                      <a:r>
+                        <a:rPr lang="pl-PL" sz="2000" u="none" strike="noStrike">
+                          <a:effectLst/>
+                        </a:rPr>
+                        <a:t>Fotometryczna</a:t>
+                      </a:r>
+                      <a:endParaRPr lang="pl-PL" sz="2000" b="0" i="0" u="none" strike="noStrike">
+                        <a:solidFill>
+                          <a:srgbClr val="000000"/>
+                        </a:solidFill>
+                        <a:effectLst/>
+                        <a:latin typeface="Calibri" panose="020F0502020204030204" pitchFamily="34" charset="0"/>
+                      </a:endParaRPr>
+                    </a:p>
+                  </a:txBody>
+                  <a:tcPr marL="13596" marR="13596" marT="13596" marB="0" anchor="ctr"/>
+                </a:tc>
+                <a:tc>
+                  <a:txBody>
+                    <a:bodyPr/>
+                    <a:lstStyle/>
+                    <a:p>
+                      <a:pPr algn="l" fontAlgn="ctr">
+                        <a:buNone/>
+                      </a:pPr>
+                      <a:r>
+                        <a:rPr lang="pl-PL" sz="2000" u="none" strike="noStrike">
+                          <a:effectLst/>
+                        </a:rPr>
+                        <a:t>Symulacja zmian oświetlenia i jakości obrazu</a:t>
+                      </a:r>
+                      <a:endParaRPr lang="pl-PL" sz="2000" b="0" i="0" u="none" strike="noStrike">
+                        <a:solidFill>
+                          <a:srgbClr val="000000"/>
+                        </a:solidFill>
+                        <a:effectLst/>
+                        <a:latin typeface="Calibri" panose="020F0502020204030204" pitchFamily="34" charset="0"/>
+                      </a:endParaRPr>
+                    </a:p>
+                  </a:txBody>
+                  <a:tcPr marL="13596" marR="13596" marT="13596" marB="0" anchor="ctr"/>
+                </a:tc>
+                <a:extLst>
+                  <a:ext uri="{0D108BD9-81ED-4DB2-BD59-A6C34878D82A}">
+                    <a16:rowId xmlns:a16="http://schemas.microsoft.com/office/drawing/2014/main" val="1576349209"/>
+                  </a:ext>
+                </a:extLst>
+              </a:tr>
+              <a:tr h="978905">
+                <a:tc>
+                  <a:txBody>
+                    <a:bodyPr/>
+                    <a:lstStyle/>
+                    <a:p>
+                      <a:pPr algn="ctr" fontAlgn="ctr">
+                        <a:buNone/>
+                      </a:pPr>
+                      <a:r>
+                        <a:rPr lang="pl-PL" sz="2000" u="none" strike="noStrike">
+                          <a:effectLst/>
+                        </a:rPr>
+                        <a:t>Aug4</a:t>
+                      </a:r>
+                      <a:endParaRPr lang="pl-PL" sz="2000" b="0" i="0" u="none" strike="noStrike">
+                        <a:solidFill>
+                          <a:srgbClr val="000000"/>
+                        </a:solidFill>
+                        <a:effectLst/>
+                        <a:latin typeface="Calibri" panose="020F0502020204030204" pitchFamily="34" charset="0"/>
+                      </a:endParaRPr>
+                    </a:p>
+                  </a:txBody>
+                  <a:tcPr marL="13596" marR="13596" marT="13596" marB="0" anchor="ctr"/>
+                </a:tc>
+                <a:tc>
+                  <a:txBody>
+                    <a:bodyPr/>
+                    <a:lstStyle/>
+                    <a:p>
+                      <a:pPr algn="l" fontAlgn="ctr">
+                        <a:buNone/>
+                      </a:pPr>
+                      <a:r>
+                        <a:rPr lang="pl-PL" sz="2000" u="none" strike="noStrike">
+                          <a:effectLst/>
+                        </a:rPr>
+                        <a:t>Regularizacja / domain gap</a:t>
+                      </a:r>
+                      <a:endParaRPr lang="pl-PL" sz="2000" b="0" i="0" u="none" strike="noStrike">
+                        <a:solidFill>
+                          <a:srgbClr val="000000"/>
+                        </a:solidFill>
+                        <a:effectLst/>
+                        <a:latin typeface="Calibri" panose="020F0502020204030204" pitchFamily="34" charset="0"/>
+                      </a:endParaRPr>
+                    </a:p>
+                  </a:txBody>
+                  <a:tcPr marL="13596" marR="13596" marT="13596" marB="0" anchor="ctr"/>
+                </a:tc>
+                <a:tc>
+                  <a:txBody>
+                    <a:bodyPr/>
+                    <a:lstStyle/>
+                    <a:p>
+                      <a:pPr algn="l" fontAlgn="ctr">
+                        <a:buNone/>
+                      </a:pPr>
+                      <a:r>
+                        <a:rPr lang="pl-PL" sz="2000" u="none" strike="noStrike" dirty="0">
+                          <a:effectLst/>
+                        </a:rPr>
+                        <a:t>Redukcja zależności od tekstur, poprawa uogólnienia</a:t>
+                      </a:r>
+                      <a:endParaRPr lang="pl-PL" sz="2000" b="0" i="0" u="none" strike="noStrike" dirty="0">
+                        <a:solidFill>
+                          <a:srgbClr val="000000"/>
+                        </a:solidFill>
+                        <a:effectLst/>
+                        <a:latin typeface="Calibri" panose="020F0502020204030204" pitchFamily="34" charset="0"/>
+                      </a:endParaRPr>
+                    </a:p>
+                  </a:txBody>
+                  <a:tcPr marL="13596" marR="13596" marT="13596" marB="0" anchor="ctr"/>
+                </a:tc>
+                <a:extLst>
+                  <a:ext uri="{0D108BD9-81ED-4DB2-BD59-A6C34878D82A}">
+                    <a16:rowId xmlns:a16="http://schemas.microsoft.com/office/drawing/2014/main" val="33772244"/>
+                  </a:ext>
+                </a:extLst>
+              </a:tr>
+            </a:tbl>
+          </a:graphicData>
+        </a:graphic>
+      </p:graphicFrame>
     </p:spTree>
     <p:extLst>
       <p:ext uri="{BB962C8B-B14F-4D97-AF65-F5344CB8AC3E}">
-        <p14:creationId xmlns:p14="http://schemas.microsoft.com/office/powerpoint/2010/main" val="3606950190"/>
+        <p14:creationId xmlns:p14="http://schemas.microsoft.com/office/powerpoint/2010/main" val="2336172290"/>
       </p:ext>
     </p:extLst>
   </p:cSld>
@@ -12147,8 +12262,8 @@
         </p:nvSpPr>
         <p:spPr bwMode="auto">
           <a:xfrm>
-            <a:off x="2598887" y="5581732"/>
-            <a:ext cx="6542768" cy="646331"/>
+            <a:off x="2598887" y="5720231"/>
+            <a:ext cx="6542768" cy="369332"/>
           </a:xfrm>
           <a:prstGeom prst="rect">
             <a:avLst/>
@@ -12224,85 +12339,6 @@
               </a:rPr>
               <a:t>EfficientNet-B0 wyraźnie lepszy od ShuffleNetV2</a:t>
             </a:r>
-          </a:p>
-          <a:p>
-            <a:pPr marL="0" marR="0" lvl="0" indent="0" algn="ctr" defTabSz="914400" rtl="0" eaLnBrk="0" fontAlgn="base" latinLnBrk="0" hangingPunct="0">
-              <a:lnSpc>
-                <a:spcPct val="100000"/>
-              </a:lnSpc>
-              <a:spcBef>
-                <a:spcPct val="0"/>
-              </a:spcBef>
-              <a:spcAft>
-                <a:spcPct val="0"/>
-              </a:spcAft>
-              <a:buClrTx/>
-              <a:buSzTx/>
-              <a:buNone/>
-              <a:tabLst/>
-            </a:pPr>
-            <a:r>
-              <a:rPr kumimoji="0" lang="pl-PL" altLang="pl-PL" sz="1800" b="1" i="0" u="none" strike="noStrike" cap="none" normalizeH="0" baseline="0" dirty="0">
-                <a:ln>
-                  <a:noFill/>
-                </a:ln>
-                <a:solidFill>
-                  <a:schemeClr val="tx1"/>
-                </a:solidFill>
-                <a:effectLst/>
-                <a:latin typeface="Arial" panose="020B0604020202020204" pitchFamily="34" charset="0"/>
-              </a:rPr>
-              <a:t>Różnica ~ +24 </a:t>
-            </a:r>
-            <a:r>
-              <a:rPr kumimoji="0" lang="pl-PL" altLang="pl-PL" sz="1800" b="1" i="0" u="none" strike="noStrike" cap="none" normalizeH="0" baseline="0" dirty="0" err="1">
-                <a:ln>
-                  <a:noFill/>
-                </a:ln>
-                <a:solidFill>
-                  <a:schemeClr val="tx1"/>
-                </a:solidFill>
-                <a:effectLst/>
-                <a:latin typeface="Arial" panose="020B0604020202020204" pitchFamily="34" charset="0"/>
-              </a:rPr>
-              <a:t>pp</a:t>
-            </a:r>
-            <a:r>
-              <a:rPr kumimoji="0" lang="pl-PL" altLang="pl-PL" sz="1800" b="1" i="0" u="none" strike="noStrike" cap="none" normalizeH="0" baseline="0" dirty="0">
-                <a:ln>
-                  <a:noFill/>
-                </a:ln>
-                <a:solidFill>
-                  <a:schemeClr val="tx1"/>
-                </a:solidFill>
-                <a:effectLst/>
-                <a:latin typeface="Arial" panose="020B0604020202020204" pitchFamily="34" charset="0"/>
-              </a:rPr>
-              <a:t> </a:t>
-            </a:r>
-            <a:r>
-              <a:rPr kumimoji="0" lang="pl-PL" altLang="pl-PL" sz="1800" b="1" i="0" u="none" strike="noStrike" cap="none" normalizeH="0" baseline="0" dirty="0" err="1">
-                <a:ln>
-                  <a:noFill/>
-                </a:ln>
-                <a:solidFill>
-                  <a:schemeClr val="tx1"/>
-                </a:solidFill>
-                <a:effectLst/>
-                <a:latin typeface="Arial" panose="020B0604020202020204" pitchFamily="34" charset="0"/>
-              </a:rPr>
-              <a:t>accuracy</a:t>
-            </a:r>
-            <a:endParaRPr kumimoji="0" lang="pl-PL" altLang="pl-PL" sz="1800" b="1" i="0" u="none" strike="noStrike" cap="none" normalizeH="0" baseline="0" dirty="0">
-              <a:ln>
-                <a:noFill/>
-              </a:ln>
-              <a:solidFill>
-                <a:schemeClr val="tx1"/>
-              </a:solidFill>
-              <a:effectLst/>
-              <a:latin typeface="Arial" panose="020B0604020202020204" pitchFamily="34" charset="0"/>
-            </a:endParaRPr>
           </a:p>
         </p:txBody>
       </p:sp>
